--- a/Poster for Busy Beaver Project.pptx
+++ b/Poster for Busy Beaver Project.pptx
@@ -3217,17 +3217,92 @@
             <a:r>
               <a:rPr lang="en-US" sz="1200" dirty="0">
                 <a:solidFill>
-                  <a:prstClr val="black"/>
+                  <a:schemeClr val="tx1"/>
                 </a:solidFill>
                 <a:latin typeface="Arial" pitchFamily="34" charset="0"/>
                 <a:ea typeface="Tahoma" pitchFamily="34" charset="0"/>
                 <a:cs typeface="Arial" pitchFamily="34" charset="0"/>
               </a:rPr>
-              <a:t>2. Introduction</a:t>
+              <a:t>2</a:t>
+            </a:r>
+            <a:r>
+              <a:rPr lang="en-US" sz="1200" dirty="0">
+                <a:solidFill>
+                  <a:srgbClr val="0070C0"/>
+                </a:solidFill>
+                <a:latin typeface="Arial" pitchFamily="34" charset="0"/>
+                <a:ea typeface="Tahoma" pitchFamily="34" charset="0"/>
+                <a:cs typeface="Arial" pitchFamily="34" charset="0"/>
+              </a:rPr>
+              <a:t>. Introduction:</a:t>
+            </a:r>
+          </a:p>
+          <a:p>
+            <a:pPr>
+              <a:defRPr/>
+            </a:pPr>
+            <a:r>
+              <a:rPr lang="en-US" sz="1200" dirty="0">
+                <a:solidFill>
+                  <a:schemeClr val="tx1"/>
+                </a:solidFill>
+                <a:latin typeface="Arial" pitchFamily="34" charset="0"/>
+                <a:ea typeface="Tahoma" pitchFamily="34" charset="0"/>
+                <a:cs typeface="Arial" pitchFamily="34" charset="0"/>
+              </a:rPr>
+              <a:t>In the project, we are trying to proceed on one of the open issues on this subject or thinking of new problem by ourselves.</a:t>
+            </a:r>
+          </a:p>
+          <a:p>
+            <a:pPr>
+              <a:defRPr/>
+            </a:pPr>
+            <a:r>
+              <a:rPr lang="en-US" sz="1200" dirty="0">
+                <a:solidFill>
+                  <a:schemeClr val="tx1"/>
+                </a:solidFill>
+                <a:latin typeface="Arial" pitchFamily="34" charset="0"/>
+                <a:ea typeface="Tahoma" pitchFamily="34" charset="0"/>
+                <a:cs typeface="Arial" pitchFamily="34" charset="0"/>
+              </a:rPr>
+              <a:t>We will need to understand the problem,  </a:t>
+            </a:r>
+          </a:p>
+          <a:p>
+            <a:pPr>
+              <a:defRPr/>
+            </a:pPr>
+            <a:r>
+              <a:rPr lang="en-US" sz="1200" dirty="0">
+                <a:solidFill>
+                  <a:schemeClr val="tx1"/>
+                </a:solidFill>
+                <a:latin typeface="Arial" pitchFamily="34" charset="0"/>
+                <a:ea typeface="Tahoma" pitchFamily="34" charset="0"/>
+                <a:cs typeface="Arial" pitchFamily="34" charset="0"/>
+              </a:rPr>
+              <a:t>writing it and describing it correctly.</a:t>
+            </a:r>
+          </a:p>
+          <a:p>
+            <a:pPr>
+              <a:defRPr/>
+            </a:pPr>
+            <a:r>
+              <a:rPr lang="en-US" sz="1200" dirty="0">
+                <a:solidFill>
+                  <a:schemeClr val="tx1"/>
+                </a:solidFill>
+                <a:latin typeface="Arial" pitchFamily="34" charset="0"/>
+                <a:ea typeface="Tahoma" pitchFamily="34" charset="0"/>
+                <a:cs typeface="Arial" pitchFamily="34" charset="0"/>
+              </a:rPr>
+              <a:t>organizing, arranging and properly translating all the rare articles to fluent Hebrew, will be a decent task.  </a:t>
             </a:r>
             <a:endParaRPr lang="he-IL" sz="1200" dirty="0">
               <a:solidFill>
-                <a:prstClr val="black"/>
+                <a:schemeClr val="tx1"/>
               </a:solidFill>
               <a:latin typeface="Arial" pitchFamily="34" charset="0"/>
               <a:ea typeface="Tahoma" pitchFamily="34" charset="0"/>
@@ -3298,24 +3373,50 @@
             </a:br>
             <a:r>
               <a:rPr lang="en-US" sz="1200" dirty="0"/>
-              <a:t>     Design Considerations</a:t>
+              <a:t>     Design Considerations:</a:t>
+            </a:r>
+          </a:p>
+          <a:p>
+            <a:pPr>
+              <a:defRPr/>
+            </a:pPr>
+            <a:r>
+              <a:rPr lang="en-US" sz="1200" dirty="0">
+                <a:latin typeface="Arial" pitchFamily="34" charset="0"/>
+                <a:ea typeface="Tahoma" pitchFamily="34" charset="0"/>
+                <a:cs typeface="Arial" pitchFamily="34" charset="0"/>
+              </a:rPr>
+              <a:t>Our way to go will be to read, understand and summarize professional articles on the subject.</a:t>
+            </a:r>
+          </a:p>
+          <a:p>
+            <a:pPr>
+              <a:defRPr/>
+            </a:pPr>
+            <a:r>
+              <a:rPr lang="en-US" sz="1200" dirty="0">
+                <a:latin typeface="Arial" pitchFamily="34" charset="0"/>
+                <a:ea typeface="Tahoma" pitchFamily="34" charset="0"/>
+                <a:cs typeface="Arial" pitchFamily="34" charset="0"/>
+              </a:rPr>
+              <a:t>Create a glossary for all the many phrases we come across</a:t>
             </a:r>
             <a:br>
-              <a:rPr lang="en-US" sz="1200" b="1" dirty="0">
+              <a:rPr lang="en-US" sz="1200" dirty="0">
                 <a:latin typeface="Arial" pitchFamily="34" charset="0"/>
                 <a:ea typeface="Tahoma" pitchFamily="34" charset="0"/>
                 <a:cs typeface="Arial" pitchFamily="34" charset="0"/>
               </a:rPr>
             </a:br>
             <a:r>
-              <a:rPr lang="he-IL" sz="1200" b="1" dirty="0">
+              <a:rPr lang="he-IL" sz="1200" dirty="0">
                 <a:latin typeface="Arial" pitchFamily="34" charset="0"/>
                 <a:ea typeface="Tahoma" pitchFamily="34" charset="0"/>
                 <a:cs typeface="Arial" pitchFamily="34" charset="0"/>
               </a:rPr>
               <a:t> </a:t>
             </a:r>
-            <a:endParaRPr lang="en-US" sz="1200" b="1" dirty="0">
+            <a:endParaRPr lang="en-US" sz="1200" dirty="0">
               <a:latin typeface="Arial" pitchFamily="34" charset="0"/>
               <a:ea typeface="Tahoma" pitchFamily="34" charset="0"/>
               <a:cs typeface="Arial" pitchFamily="34" charset="0"/>
@@ -3375,16 +3476,19 @@
                 <a:ea typeface="Tahoma" pitchFamily="34" charset="0"/>
                 <a:cs typeface="Arial" pitchFamily="34" charset="0"/>
               </a:rPr>
-              <a:t>4. Selected Approach</a:t>
-            </a:r>
-            <a:endParaRPr lang="he-IL" sz="1200" dirty="0">
-              <a:solidFill>
-                <a:prstClr val="black"/>
-              </a:solidFill>
-              <a:latin typeface="Arial" pitchFamily="34" charset="0"/>
-              <a:ea typeface="Tahoma" pitchFamily="34" charset="0"/>
-              <a:cs typeface="Arial" pitchFamily="34" charset="0"/>
-            </a:endParaRPr>
+              <a:t>4. </a:t>
+            </a:r>
+            <a:r>
+              <a:rPr lang="he-IL" sz="1200" dirty="0">
+                <a:solidFill>
+                  <a:prstClr val="black"/>
+                </a:solidFill>
+                <a:latin typeface="Arial" pitchFamily="34" charset="0"/>
+                <a:ea typeface="Tahoma" pitchFamily="34" charset="0"/>
+                <a:cs typeface="Arial" pitchFamily="34" charset="0"/>
+              </a:rPr>
+              <a:t>הגישה בה נקטנו</a:t>
+            </a:r>
           </a:p>
         </p:txBody>
       </p:sp>
@@ -3750,7 +3854,7 @@
         <p:spPr>
           <a:xfrm>
             <a:off x="166597" y="1502750"/>
-            <a:ext cx="2944177" cy="1105544"/>
+            <a:ext cx="2944177" cy="1240450"/>
           </a:xfrm>
           <a:prstGeom prst="roundRect">
             <a:avLst/>
@@ -3782,7 +3886,30 @@
             </a:pPr>
             <a:r>
               <a:rPr lang="en-US" sz="1200" dirty="0"/>
-              <a:t>Contribution/project goal</a:t>
+              <a:t> </a:t>
+            </a:r>
+            <a:r>
+              <a:rPr lang="en-US" sz="1200" dirty="0">
+                <a:solidFill>
+                  <a:srgbClr val="0070C0"/>
+                </a:solidFill>
+              </a:rPr>
+              <a:t>My project goal project:</a:t>
+            </a:r>
+            <a:br>
+              <a:rPr lang="en-US" sz="1200" dirty="0"/>
+            </a:br>
+            <a:r>
+              <a:rPr lang="en-US" sz="1200" dirty="0"/>
+              <a:t>It will include an important data about Computability theory, and will help to understand the main Busy </a:t>
+            </a:r>
+            <a:r>
+              <a:rPr lang="en-US" sz="1200" dirty="0" err="1"/>
+              <a:t>Beavere</a:t>
+            </a:r>
+            <a:r>
+              <a:rPr lang="en-US" sz="1200" dirty="0"/>
+              <a:t> problem and will try to offer an optional solutions</a:t>
             </a:r>
             <a:endParaRPr lang="he-IL" sz="1200" dirty="0">
               <a:solidFill>

--- a/Poster for Busy Beaver Project.pptx
+++ b/Poster for Busy Beaver Project.pptx
@@ -243,7 +243,7 @@
           <a:p>
             <a:fld id="{73EE89F4-C31D-45E3-BFAA-D8E8790DFB86}" type="datetimeFigureOut">
               <a:rPr lang="en-US" smtClean="0"/>
-              <a:t>4/26/2021</a:t>
+              <a:t>5/4/2021</a:t>
             </a:fld>
             <a:endParaRPr lang="en-US"/>
           </a:p>
@@ -413,7 +413,7 @@
           <a:p>
             <a:fld id="{73EE89F4-C31D-45E3-BFAA-D8E8790DFB86}" type="datetimeFigureOut">
               <a:rPr lang="en-US" smtClean="0"/>
-              <a:t>4/26/2021</a:t>
+              <a:t>5/4/2021</a:t>
             </a:fld>
             <a:endParaRPr lang="en-US"/>
           </a:p>
@@ -593,7 +593,7 @@
           <a:p>
             <a:fld id="{73EE89F4-C31D-45E3-BFAA-D8E8790DFB86}" type="datetimeFigureOut">
               <a:rPr lang="en-US" smtClean="0"/>
-              <a:t>4/26/2021</a:t>
+              <a:t>5/4/2021</a:t>
             </a:fld>
             <a:endParaRPr lang="en-US"/>
           </a:p>
@@ -763,7 +763,7 @@
           <a:p>
             <a:fld id="{73EE89F4-C31D-45E3-BFAA-D8E8790DFB86}" type="datetimeFigureOut">
               <a:rPr lang="en-US" smtClean="0"/>
-              <a:t>4/26/2021</a:t>
+              <a:t>5/4/2021</a:t>
             </a:fld>
             <a:endParaRPr lang="en-US"/>
           </a:p>
@@ -1007,7 +1007,7 @@
           <a:p>
             <a:fld id="{73EE89F4-C31D-45E3-BFAA-D8E8790DFB86}" type="datetimeFigureOut">
               <a:rPr lang="en-US" smtClean="0"/>
-              <a:t>4/26/2021</a:t>
+              <a:t>5/4/2021</a:t>
             </a:fld>
             <a:endParaRPr lang="en-US"/>
           </a:p>
@@ -1239,7 +1239,7 @@
           <a:p>
             <a:fld id="{73EE89F4-C31D-45E3-BFAA-D8E8790DFB86}" type="datetimeFigureOut">
               <a:rPr lang="en-US" smtClean="0"/>
-              <a:t>4/26/2021</a:t>
+              <a:t>5/4/2021</a:t>
             </a:fld>
             <a:endParaRPr lang="en-US"/>
           </a:p>
@@ -1606,7 +1606,7 @@
           <a:p>
             <a:fld id="{73EE89F4-C31D-45E3-BFAA-D8E8790DFB86}" type="datetimeFigureOut">
               <a:rPr lang="en-US" smtClean="0"/>
-              <a:t>4/26/2021</a:t>
+              <a:t>5/4/2021</a:t>
             </a:fld>
             <a:endParaRPr lang="en-US"/>
           </a:p>
@@ -1724,7 +1724,7 @@
           <a:p>
             <a:fld id="{73EE89F4-C31D-45E3-BFAA-D8E8790DFB86}" type="datetimeFigureOut">
               <a:rPr lang="en-US" smtClean="0"/>
-              <a:t>4/26/2021</a:t>
+              <a:t>5/4/2021</a:t>
             </a:fld>
             <a:endParaRPr lang="en-US"/>
           </a:p>
@@ -1819,7 +1819,7 @@
           <a:p>
             <a:fld id="{73EE89F4-C31D-45E3-BFAA-D8E8790DFB86}" type="datetimeFigureOut">
               <a:rPr lang="en-US" smtClean="0"/>
-              <a:t>4/26/2021</a:t>
+              <a:t>5/4/2021</a:t>
             </a:fld>
             <a:endParaRPr lang="en-US"/>
           </a:p>
@@ -2096,7 +2096,7 @@
           <a:p>
             <a:fld id="{73EE89F4-C31D-45E3-BFAA-D8E8790DFB86}" type="datetimeFigureOut">
               <a:rPr lang="en-US" smtClean="0"/>
-              <a:t>4/26/2021</a:t>
+              <a:t>5/4/2021</a:t>
             </a:fld>
             <a:endParaRPr lang="en-US"/>
           </a:p>
@@ -2353,7 +2353,7 @@
           <a:p>
             <a:fld id="{73EE89F4-C31D-45E3-BFAA-D8E8790DFB86}" type="datetimeFigureOut">
               <a:rPr lang="en-US" smtClean="0"/>
-              <a:t>4/26/2021</a:t>
+              <a:t>5/4/2021</a:t>
             </a:fld>
             <a:endParaRPr lang="en-US"/>
           </a:p>
@@ -2566,7 +2566,7 @@
           <a:p>
             <a:fld id="{73EE89F4-C31D-45E3-BFAA-D8E8790DFB86}" type="datetimeFigureOut">
               <a:rPr lang="en-US" smtClean="0"/>
-              <a:t>4/26/2021</a:t>
+              <a:t>5/4/2021</a:t>
             </a:fld>
             <a:endParaRPr lang="en-US"/>
           </a:p>
@@ -3004,30 +3004,60 @@
         </p:style>
         <p:txBody>
           <a:bodyPr>
-            <a:normAutofit/>
+            <a:normAutofit lnSpcReduction="10000"/>
           </a:bodyPr>
           <a:lstStyle/>
           <a:p>
             <a:pPr defTabSz="951583"/>
+            <a:endParaRPr lang="en-US" sz="1307" b="1" dirty="0">
+              <a:solidFill>
+                <a:schemeClr val="tx1"/>
+              </a:solidFill>
+              <a:latin typeface="Calibri"/>
+              <a:cs typeface="Arial"/>
+            </a:endParaRPr>
+          </a:p>
+          <a:p>
+            <a:pPr defTabSz="951583"/>
+            <a:endParaRPr lang="en-US" sz="1307" b="1" dirty="0">
+              <a:solidFill>
+                <a:schemeClr val="tx1"/>
+              </a:solidFill>
+              <a:latin typeface="Calibri"/>
+              <a:cs typeface="Arial"/>
+            </a:endParaRPr>
+          </a:p>
+          <a:p>
+            <a:pPr defTabSz="951583"/>
             <a:r>
               <a:rPr lang="en-US" sz="1307" b="1" dirty="0">
                 <a:solidFill>
-                  <a:srgbClr val="FF0000"/>
+                  <a:schemeClr val="tx1"/>
                 </a:solidFill>
                 <a:latin typeface="Calibri"/>
                 <a:cs typeface="Arial"/>
               </a:rPr>
-              <a:t> [Poster Describe Research or Software Development Project]</a:t>
+              <a:t>Busy Beaver Project</a:t>
             </a:r>
             <a:br>
               <a:rPr lang="en-US" sz="1307" b="1" dirty="0">
                 <a:solidFill>
-                  <a:srgbClr val="FF0000"/>
+                  <a:schemeClr val="tx1"/>
                 </a:solidFill>
                 <a:latin typeface="Calibri"/>
                 <a:cs typeface="Arial"/>
               </a:rPr>
             </a:br>
+            <a:r>
+              <a:rPr lang="en-US" sz="1307" b="1" dirty="0">
+                <a:solidFill>
+                  <a:schemeClr val="tx1"/>
+                </a:solidFill>
+                <a:latin typeface="Calibri"/>
+                <a:cs typeface="Arial"/>
+              </a:rPr>
+              <a:t>Presenter: Or Gamliel</a:t>
+            </a:r>
             <a:br>
               <a:rPr lang="en-US" sz="1307" b="1" dirty="0">
                 <a:solidFill>
@@ -3045,85 +3075,7 @@
                 <a:latin typeface="Calibri"/>
                 <a:cs typeface="Arial"/>
               </a:rPr>
-              <a:t>Busy Beaver Project</a:t>
-            </a:r>
-            <a:br>
-              <a:rPr lang="en-US" sz="1307" b="1" dirty="0">
-                <a:solidFill>
-                  <a:schemeClr val="tx1"/>
-                </a:solidFill>
-                <a:latin typeface="Calibri"/>
-                <a:cs typeface="Arial"/>
-              </a:rPr>
-            </a:br>
-            <a:r>
-              <a:rPr lang="en-US" sz="1307" b="1" dirty="0">
-                <a:solidFill>
-                  <a:schemeClr val="tx1"/>
-                </a:solidFill>
-                <a:latin typeface="Calibri"/>
-                <a:cs typeface="Arial"/>
-              </a:rPr>
-              <a:t>Presenter: Or Gamliel</a:t>
-            </a:r>
-            <a:br>
-              <a:rPr lang="en-US" sz="1307" b="1" dirty="0">
-                <a:solidFill>
-                  <a:schemeClr val="tx1"/>
-                </a:solidFill>
-                <a:latin typeface="Calibri"/>
-                <a:cs typeface="Arial"/>
-              </a:rPr>
-            </a:br>
-            <a:r>
-              <a:rPr lang="en-US" sz="1307" b="1" dirty="0">
-                <a:solidFill>
-                  <a:schemeClr val="tx1"/>
-                </a:solidFill>
-                <a:latin typeface="Calibri"/>
-                <a:cs typeface="Arial"/>
-              </a:rPr>
-              <a:t>Instructor: Dr </a:t>
-            </a:r>
-            <a:r>
-              <a:rPr lang="en-US" sz="1307" b="1" dirty="0" err="1">
-                <a:solidFill>
-                  <a:schemeClr val="tx1"/>
-                </a:solidFill>
-                <a:latin typeface="Calibri"/>
-                <a:cs typeface="Arial"/>
-              </a:rPr>
-              <a:t>Anat</a:t>
-            </a:r>
-            <a:r>
-              <a:rPr lang="en-US" sz="1307" b="1" dirty="0">
-                <a:solidFill>
-                  <a:schemeClr val="tx1"/>
-                </a:solidFill>
-                <a:latin typeface="Calibri"/>
-                <a:cs typeface="Arial"/>
-              </a:rPr>
-              <a:t> Paskin </a:t>
-            </a:r>
-            <a:r>
-              <a:rPr lang="en-US" sz="1307" b="1" dirty="0" err="1">
-                <a:solidFill>
-                  <a:schemeClr val="tx1"/>
-                </a:solidFill>
-                <a:latin typeface="Calibri"/>
-                <a:cs typeface="Arial"/>
-              </a:rPr>
-              <a:t>Cherniavsky</a:t>
-            </a:r>
-            <a:r>
-              <a:rPr lang="en-US" sz="1307" b="1" dirty="0">
-                <a:solidFill>
-                  <a:schemeClr val="tx1"/>
-                </a:solidFill>
-                <a:latin typeface="Calibri"/>
-                <a:cs typeface="Arial"/>
-              </a:rPr>
-              <a:t> </a:t>
+              <a:t>Instructor: Dr Anat Paskin Cherniavsky </a:t>
             </a:r>
             <a:br>
               <a:rPr lang="en-US" sz="1307" b="1" dirty="0">
@@ -3250,7 +3202,36 @@
                 <a:ea typeface="Tahoma" pitchFamily="34" charset="0"/>
                 <a:cs typeface="Arial" pitchFamily="34" charset="0"/>
               </a:rPr>
-              <a:t>In the project, we are trying to proceed on one of the open issues on this subject or thinking of new problem by ourselves.</a:t>
+              <a:t>In the project, we are trying to </a:t>
+            </a:r>
+            <a:r>
+              <a:rPr lang="en-US" sz="1200" dirty="0">
+                <a:solidFill>
+                  <a:schemeClr val="tx1"/>
+                </a:solidFill>
+                <a:effectLst>
+                  <a:outerShdw blurRad="38100" dist="38100" dir="2700000" algn="tl">
+                    <a:srgbClr val="000000">
+                      <a:alpha val="43137"/>
+                    </a:srgbClr>
+                  </a:outerShdw>
+                </a:effectLst>
+                <a:latin typeface="Arial" pitchFamily="34" charset="0"/>
+                <a:ea typeface="Tahoma" pitchFamily="34" charset="0"/>
+                <a:cs typeface="Arial" pitchFamily="34" charset="0"/>
+              </a:rPr>
+              <a:t>proceed</a:t>
+            </a:r>
+            <a:r>
+              <a:rPr lang="en-US" sz="1200" dirty="0">
+                <a:solidFill>
+                  <a:schemeClr val="tx1"/>
+                </a:solidFill>
+                <a:latin typeface="Arial" pitchFamily="34" charset="0"/>
+                <a:ea typeface="Tahoma" pitchFamily="34" charset="0"/>
+                <a:cs typeface="Arial" pitchFamily="34" charset="0"/>
+              </a:rPr>
+              <a:t> on one of the open issues on this subject or thinking of new problem by ourselves.</a:t>
             </a:r>
           </a:p>
           <a:p>
@@ -3349,7 +3330,7 @@
               <a:defRPr/>
             </a:pPr>
             <a:r>
-              <a:rPr lang="he-IL" sz="1200" b="1" dirty="0">
+              <a:rPr lang="he-IL" sz="1200" dirty="0">
                 <a:latin typeface="Arial" pitchFamily="34" charset="0"/>
                 <a:ea typeface="Tahoma" pitchFamily="34" charset="0"/>
                 <a:cs typeface="Arial" pitchFamily="34" charset="0"/>
@@ -3357,22 +3338,42 @@
               <a:t>3</a:t>
             </a:r>
             <a:r>
+              <a:rPr lang="en-US" sz="1200" dirty="0">
+                <a:latin typeface="Arial" pitchFamily="34" charset="0"/>
+                <a:ea typeface="Tahoma" pitchFamily="34" charset="0"/>
+                <a:cs typeface="Arial" pitchFamily="34" charset="0"/>
+              </a:rPr>
+              <a:t>.</a:t>
+            </a:r>
+            <a:r>
               <a:rPr lang="en-US" sz="1200" b="1" dirty="0">
                 <a:latin typeface="Arial" pitchFamily="34" charset="0"/>
                 <a:ea typeface="Tahoma" pitchFamily="34" charset="0"/>
                 <a:cs typeface="Arial" pitchFamily="34" charset="0"/>
               </a:rPr>
-              <a:t>. </a:t>
-            </a:r>
-            <a:r>
-              <a:rPr lang="en-US" sz="1200" dirty="0"/>
+              <a:t> </a:t>
+            </a:r>
+            <a:r>
+              <a:rPr lang="en-US" sz="1200" dirty="0">
+                <a:solidFill>
+                  <a:schemeClr val="accent1"/>
+                </a:solidFill>
+              </a:rPr>
               <a:t>Methods/algorithms/Alternatives or</a:t>
             </a:r>
             <a:br>
-              <a:rPr lang="en-US" sz="1200" dirty="0"/>
+              <a:rPr lang="en-US" sz="1200" dirty="0">
+                <a:solidFill>
+                  <a:schemeClr val="accent1"/>
+                </a:solidFill>
+              </a:rPr>
             </a:br>
             <a:r>
-              <a:rPr lang="en-US" sz="1200" dirty="0"/>
+              <a:rPr lang="en-US" sz="1200" dirty="0">
+                <a:solidFill>
+                  <a:schemeClr val="accent1"/>
+                </a:solidFill>
+              </a:rPr>
               <a:t>     Design Considerations:</a:t>
             </a:r>
           </a:p>
@@ -3386,7 +3387,76 @@
                 <a:ea typeface="Tahoma" pitchFamily="34" charset="0"/>
                 <a:cs typeface="Arial" pitchFamily="34" charset="0"/>
               </a:rPr>
-              <a:t>Our way to go will be to read, understand and summarize professional articles on the subject.</a:t>
+              <a:t>Our way to go will be to </a:t>
+            </a:r>
+            <a:r>
+              <a:rPr lang="en-US" sz="1200" dirty="0">
+                <a:effectLst>
+                  <a:outerShdw blurRad="38100" dist="38100" dir="2700000" algn="tl">
+                    <a:srgbClr val="000000">
+                      <a:alpha val="43137"/>
+                    </a:srgbClr>
+                  </a:outerShdw>
+                </a:effectLst>
+                <a:latin typeface="Arial" pitchFamily="34" charset="0"/>
+                <a:ea typeface="Tahoma" pitchFamily="34" charset="0"/>
+                <a:cs typeface="Arial" pitchFamily="34" charset="0"/>
+              </a:rPr>
+              <a:t>read</a:t>
+            </a:r>
+            <a:r>
+              <a:rPr lang="en-US" sz="1200" dirty="0">
+                <a:latin typeface="Arial" pitchFamily="34" charset="0"/>
+                <a:ea typeface="Tahoma" pitchFamily="34" charset="0"/>
+                <a:cs typeface="Arial" pitchFamily="34" charset="0"/>
+              </a:rPr>
+              <a:t>, </a:t>
+            </a:r>
+            <a:r>
+              <a:rPr lang="en-US" sz="1200" dirty="0">
+                <a:effectLst>
+                  <a:outerShdw blurRad="38100" dist="38100" dir="2700000" algn="tl">
+                    <a:srgbClr val="000000">
+                      <a:alpha val="43137"/>
+                    </a:srgbClr>
+                  </a:outerShdw>
+                </a:effectLst>
+                <a:latin typeface="Arial" pitchFamily="34" charset="0"/>
+                <a:ea typeface="Tahoma" pitchFamily="34" charset="0"/>
+                <a:cs typeface="Arial" pitchFamily="34" charset="0"/>
+              </a:rPr>
+              <a:t>understand</a:t>
+            </a:r>
+            <a:r>
+              <a:rPr lang="en-US" sz="1200" dirty="0">
+                <a:latin typeface="Arial" pitchFamily="34" charset="0"/>
+                <a:ea typeface="Tahoma" pitchFamily="34" charset="0"/>
+                <a:cs typeface="Arial" pitchFamily="34" charset="0"/>
+              </a:rPr>
+              <a:t> and </a:t>
+            </a:r>
+            <a:r>
+              <a:rPr lang="en-US" sz="1200" dirty="0">
+                <a:effectLst>
+                  <a:outerShdw blurRad="38100" dist="38100" dir="2700000" algn="tl">
+                    <a:srgbClr val="000000">
+                      <a:alpha val="43137"/>
+                    </a:srgbClr>
+                  </a:outerShdw>
+                </a:effectLst>
+                <a:latin typeface="Arial" pitchFamily="34" charset="0"/>
+                <a:ea typeface="Tahoma" pitchFamily="34" charset="0"/>
+                <a:cs typeface="Arial" pitchFamily="34" charset="0"/>
+              </a:rPr>
+              <a:t>summarize</a:t>
+            </a:r>
+            <a:r>
+              <a:rPr lang="en-US" sz="1200" dirty="0">
+                <a:latin typeface="Arial" pitchFamily="34" charset="0"/>
+                <a:ea typeface="Tahoma" pitchFamily="34" charset="0"/>
+                <a:cs typeface="Arial" pitchFamily="34" charset="0"/>
+              </a:rPr>
+              <a:t> professional articles on the subject.</a:t>
             </a:r>
           </a:p>
           <a:p>
@@ -3395,12 +3465,78 @@
             </a:pPr>
             <a:r>
               <a:rPr lang="en-US" sz="1200" dirty="0">
-                <a:latin typeface="Arial" pitchFamily="34" charset="0"/>
-                <a:ea typeface="Tahoma" pitchFamily="34" charset="0"/>
-                <a:cs typeface="Arial" pitchFamily="34" charset="0"/>
-              </a:rPr>
-              <a:t>Create a glossary for all the many phrases we come across</a:t>
-            </a:r>
+                <a:effectLst>
+                  <a:outerShdw blurRad="38100" dist="38100" dir="2700000" algn="tl">
+                    <a:srgbClr val="000000">
+                      <a:alpha val="43137"/>
+                    </a:srgbClr>
+                  </a:outerShdw>
+                </a:effectLst>
+                <a:latin typeface="Arial" pitchFamily="34" charset="0"/>
+                <a:ea typeface="Tahoma" pitchFamily="34" charset="0"/>
+                <a:cs typeface="Arial" pitchFamily="34" charset="0"/>
+              </a:rPr>
+              <a:t>Create</a:t>
+            </a:r>
+            <a:r>
+              <a:rPr lang="en-US" sz="1200" dirty="0">
+                <a:latin typeface="Arial" pitchFamily="34" charset="0"/>
+                <a:ea typeface="Tahoma" pitchFamily="34" charset="0"/>
+                <a:cs typeface="Arial" pitchFamily="34" charset="0"/>
+              </a:rPr>
+              <a:t> a glossary for all the many phrases we come across.</a:t>
+            </a:r>
+            <a:br>
+              <a:rPr lang="en-US" sz="1200" dirty="0">
+                <a:latin typeface="Arial" pitchFamily="34" charset="0"/>
+                <a:ea typeface="Tahoma" pitchFamily="34" charset="0"/>
+                <a:cs typeface="Arial" pitchFamily="34" charset="0"/>
+              </a:rPr>
+            </a:br>
+            <a:r>
+              <a:rPr lang="en-US" sz="1200" dirty="0">
+                <a:effectLst>
+                  <a:outerShdw blurRad="38100" dist="38100" dir="2700000" algn="tl">
+                    <a:srgbClr val="000000">
+                      <a:alpha val="43137"/>
+                    </a:srgbClr>
+                  </a:outerShdw>
+                </a:effectLst>
+                <a:latin typeface="Arial" pitchFamily="34" charset="0"/>
+                <a:ea typeface="Tahoma" pitchFamily="34" charset="0"/>
+                <a:cs typeface="Arial" pitchFamily="34" charset="0"/>
+              </a:rPr>
+              <a:t>Creating</a:t>
+            </a:r>
+            <a:r>
+              <a:rPr lang="en-US" sz="1200" dirty="0">
+                <a:latin typeface="Arial" pitchFamily="34" charset="0"/>
+                <a:ea typeface="Tahoma" pitchFamily="34" charset="0"/>
+                <a:cs typeface="Arial" pitchFamily="34" charset="0"/>
+              </a:rPr>
+              <a:t> quality information in Hebrew on an important scientific topic that is always good to move forward</a:t>
+            </a:r>
+            <a:r>
+              <a:rPr lang="he-IL" sz="1200" dirty="0">
+                <a:latin typeface="Arial" pitchFamily="34" charset="0"/>
+                <a:ea typeface="Tahoma" pitchFamily="34" charset="0"/>
+                <a:cs typeface="Arial" pitchFamily="34" charset="0"/>
+              </a:rPr>
+              <a:t> </a:t>
+            </a:r>
+            <a:r>
+              <a:rPr lang="en-US" sz="1200" dirty="0">
+                <a:latin typeface="Arial" pitchFamily="34" charset="0"/>
+                <a:ea typeface="Tahoma" pitchFamily="34" charset="0"/>
+                <a:cs typeface="Arial" pitchFamily="34" charset="0"/>
+              </a:rPr>
+              <a:t> in it.</a:t>
+            </a:r>
+          </a:p>
+          <a:p>
+            <a:pPr>
+              <a:defRPr/>
+            </a:pPr>
             <a:br>
               <a:rPr lang="en-US" sz="1200" dirty="0">
                 <a:latin typeface="Arial" pitchFamily="34" charset="0"/>
@@ -3479,6 +3615,78 @@
               <a:t>4. </a:t>
             </a:r>
             <a:r>
+              <a:rPr lang="en-US" sz="1200" dirty="0">
+                <a:solidFill>
+                  <a:schemeClr val="accent1"/>
+                </a:solidFill>
+                <a:latin typeface="Arial" pitchFamily="34" charset="0"/>
+                <a:ea typeface="Tahoma" pitchFamily="34" charset="0"/>
+                <a:cs typeface="Arial" pitchFamily="34" charset="0"/>
+              </a:rPr>
+              <a:t>Our approach</a:t>
+            </a:r>
+            <a:r>
+              <a:rPr lang="en-US" sz="1200" dirty="0">
+                <a:solidFill>
+                  <a:prstClr val="black"/>
+                </a:solidFill>
+                <a:latin typeface="Arial" pitchFamily="34" charset="0"/>
+                <a:ea typeface="Tahoma" pitchFamily="34" charset="0"/>
+                <a:cs typeface="Arial" pitchFamily="34" charset="0"/>
+              </a:rPr>
+              <a:t> began with the summary of the article</a:t>
+            </a:r>
+            <a:br>
+              <a:rPr lang="en-US" sz="1200" dirty="0">
+                <a:solidFill>
+                  <a:prstClr val="black"/>
+                </a:solidFill>
+                <a:latin typeface="Arial" pitchFamily="34" charset="0"/>
+                <a:ea typeface="Tahoma" pitchFamily="34" charset="0"/>
+                <a:cs typeface="Arial" pitchFamily="34" charset="0"/>
+              </a:rPr>
+            </a:br>
+            <a:r>
+              <a:rPr lang="en-US" sz="1200" dirty="0">
+                <a:solidFill>
+                  <a:prstClr val="black"/>
+                </a:solidFill>
+                <a:latin typeface="Arial" pitchFamily="34" charset="0"/>
+                <a:ea typeface="Tahoma" pitchFamily="34" charset="0"/>
+                <a:cs typeface="Arial" pitchFamily="34" charset="0"/>
+              </a:rPr>
+              <a:t> “</a:t>
+            </a:r>
+            <a:r>
+              <a:rPr lang="en-US" sz="1200" dirty="0">
+                <a:solidFill>
+                  <a:prstClr val="black"/>
+                </a:solidFill>
+                <a:effectLst>
+                  <a:outerShdw blurRad="38100" dist="38100" dir="2700000" algn="tl">
+                    <a:srgbClr val="000000">
+                      <a:alpha val="43137"/>
+                    </a:srgbClr>
+                  </a:outerShdw>
+                </a:effectLst>
+                <a:latin typeface="Arial" pitchFamily="34" charset="0"/>
+                <a:ea typeface="Tahoma" pitchFamily="34" charset="0"/>
+                <a:cs typeface="Arial" pitchFamily="34" charset="0"/>
+              </a:rPr>
+              <a:t>The 8000th Busy Beaver number </a:t>
+            </a:r>
+            <a:r>
+              <a:rPr lang="en-US" sz="1200" dirty="0">
+                <a:solidFill>
+                  <a:prstClr val="black"/>
+                </a:solidFill>
+                <a:latin typeface="Arial" pitchFamily="34" charset="0"/>
+                <a:ea typeface="Tahoma" pitchFamily="34" charset="0"/>
+                <a:cs typeface="Arial" pitchFamily="34" charset="0"/>
+              </a:rPr>
+              <a:t>eludes ZF set theory”</a:t>
+            </a:r>
+            <a:r>
               <a:rPr lang="he-IL" sz="1200" dirty="0">
                 <a:solidFill>
                   <a:prstClr val="black"/>
@@ -3487,8 +3695,92 @@
                 <a:ea typeface="Tahoma" pitchFamily="34" charset="0"/>
                 <a:cs typeface="Arial" pitchFamily="34" charset="0"/>
               </a:rPr>
-              <a:t>הגישה בה נקטנו</a:t>
-            </a:r>
+              <a:t> </a:t>
+            </a:r>
+            <a:r>
+              <a:rPr lang="en-US" sz="1200" dirty="0">
+                <a:solidFill>
+                  <a:prstClr val="black"/>
+                </a:solidFill>
+                <a:latin typeface="Arial" pitchFamily="34" charset="0"/>
+                <a:ea typeface="Tahoma" pitchFamily="34" charset="0"/>
+                <a:cs typeface="Arial" pitchFamily="34" charset="0"/>
+              </a:rPr>
+              <a:t>by</a:t>
+            </a:r>
+            <a:r>
+              <a:rPr lang="he-IL" sz="1200" dirty="0">
+                <a:solidFill>
+                  <a:prstClr val="black"/>
+                </a:solidFill>
+                <a:latin typeface="Arial" pitchFamily="34" charset="0"/>
+                <a:ea typeface="Tahoma" pitchFamily="34" charset="0"/>
+                <a:cs typeface="Arial" pitchFamily="34" charset="0"/>
+              </a:rPr>
+              <a:t> </a:t>
+            </a:r>
+            <a:r>
+              <a:rPr lang="en-US" sz="1200" dirty="0">
+                <a:solidFill>
+                  <a:prstClr val="black"/>
+                </a:solidFill>
+                <a:latin typeface="Arial" pitchFamily="34" charset="0"/>
+                <a:ea typeface="Tahoma" pitchFamily="34" charset="0"/>
+                <a:cs typeface="Arial" pitchFamily="34" charset="0"/>
+              </a:rPr>
+              <a:t>Scott Aaronson</a:t>
+            </a:r>
+            <a:r>
+              <a:rPr lang="he-IL" sz="1200" dirty="0">
+                <a:solidFill>
+                  <a:prstClr val="black"/>
+                </a:solidFill>
+                <a:latin typeface="Arial" pitchFamily="34" charset="0"/>
+                <a:ea typeface="Tahoma" pitchFamily="34" charset="0"/>
+                <a:cs typeface="Arial" pitchFamily="34" charset="0"/>
+              </a:rPr>
+              <a:t> </a:t>
+            </a:r>
+            <a:r>
+              <a:rPr lang="en-US" sz="1200" dirty="0">
+                <a:solidFill>
+                  <a:prstClr val="black"/>
+                </a:solidFill>
+                <a:latin typeface="Arial" pitchFamily="34" charset="0"/>
+                <a:ea typeface="Tahoma" pitchFamily="34" charset="0"/>
+                <a:cs typeface="Arial" pitchFamily="34" charset="0"/>
+              </a:rPr>
+              <a:t>and Adam Yedidia</a:t>
+            </a:r>
+            <a:r>
+              <a:rPr lang="he-IL" sz="1200" dirty="0">
+                <a:solidFill>
+                  <a:prstClr val="black"/>
+                </a:solidFill>
+                <a:latin typeface="Arial" pitchFamily="34" charset="0"/>
+                <a:ea typeface="Tahoma" pitchFamily="34" charset="0"/>
+                <a:cs typeface="Arial" pitchFamily="34" charset="0"/>
+              </a:rPr>
+              <a:t>.	</a:t>
+            </a:r>
+            <a:br>
+              <a:rPr lang="en-US" sz="1200" dirty="0">
+                <a:solidFill>
+                  <a:prstClr val="black"/>
+                </a:solidFill>
+                <a:latin typeface="Arial" pitchFamily="34" charset="0"/>
+                <a:ea typeface="Tahoma" pitchFamily="34" charset="0"/>
+                <a:cs typeface="Arial" pitchFamily="34" charset="0"/>
+              </a:rPr>
+            </a:br>
+            <a:endParaRPr lang="he-IL" sz="1200" dirty="0">
+              <a:solidFill>
+                <a:prstClr val="black"/>
+              </a:solidFill>
+              <a:latin typeface="Arial" pitchFamily="34" charset="0"/>
+              <a:ea typeface="Tahoma" pitchFamily="34" charset="0"/>
+              <a:cs typeface="Arial" pitchFamily="34" charset="0"/>
+            </a:endParaRPr>
           </a:p>
         </p:txBody>
       </p:sp>
@@ -3538,23 +3830,23 @@
                 <a:ea typeface="Tahoma" pitchFamily="34" charset="0"/>
                 <a:cs typeface="Arial" pitchFamily="34" charset="0"/>
               </a:rPr>
-              <a:t>5. Solution Description (Algorithms, Modulation, Patterns, Infrastructure, UI</a:t>
-            </a:r>
-            <a:r>
-              <a:rPr lang="en-US" sz="1200">
-                <a:solidFill>
-                  <a:prstClr val="black"/>
-                </a:solidFill>
-                <a:latin typeface="Arial" pitchFamily="34" charset="0"/>
-                <a:ea typeface="Tahoma" pitchFamily="34" charset="0"/>
-                <a:cs typeface="Arial" pitchFamily="34" charset="0"/>
-              </a:rPr>
-              <a:t>,   </a:t>
+              <a:t>5. </a:t>
+            </a:r>
+            <a:r>
+              <a:rPr lang="en-US" sz="1200" dirty="0">
+                <a:solidFill>
+                  <a:schemeClr val="accent1"/>
+                </a:solidFill>
+                <a:latin typeface="Arial" pitchFamily="34" charset="0"/>
+                <a:ea typeface="Tahoma" pitchFamily="34" charset="0"/>
+                <a:cs typeface="Arial" pitchFamily="34" charset="0"/>
+              </a:rPr>
+              <a:t>Solution Description (Algorithms, Modulation, Patterns, Infrastructure, UI,   </a:t>
             </a:r>
             <a:br>
-              <a:rPr lang="en-US" sz="1200">
-                <a:solidFill>
-                  <a:prstClr val="black"/>
+              <a:rPr lang="en-US" sz="1200" dirty="0">
+                <a:solidFill>
+                  <a:schemeClr val="accent1"/>
                 </a:solidFill>
                 <a:latin typeface="Arial" pitchFamily="34" charset="0"/>
                 <a:ea typeface="Tahoma" pitchFamily="34" charset="0"/>
@@ -3562,35 +3854,346 @@
               </a:rPr>
             </a:br>
             <a:r>
-              <a:rPr lang="en-US" sz="1200">
-                <a:solidFill>
-                  <a:prstClr val="black"/>
-                </a:solidFill>
-                <a:latin typeface="Arial" pitchFamily="34" charset="0"/>
-                <a:ea typeface="Tahoma" pitchFamily="34" charset="0"/>
-                <a:cs typeface="Arial" pitchFamily="34" charset="0"/>
-              </a:rPr>
-              <a:t>     Functionality</a:t>
-            </a:r>
-            <a:r>
-              <a:rPr lang="en-US" sz="1200" dirty="0">
-                <a:solidFill>
-                  <a:prstClr val="black"/>
-                </a:solidFill>
-                <a:latin typeface="Arial" pitchFamily="34" charset="0"/>
-                <a:ea typeface="Tahoma" pitchFamily="34" charset="0"/>
-                <a:cs typeface="Arial" pitchFamily="34" charset="0"/>
-              </a:rPr>
-              <a:t>)</a:t>
-            </a:r>
-            <a:endParaRPr lang="he-IL" sz="1200" dirty="0">
-              <a:solidFill>
-                <a:prstClr val="black"/>
-              </a:solidFill>
-              <a:latin typeface="Arial" pitchFamily="34" charset="0"/>
-              <a:ea typeface="Tahoma" pitchFamily="34" charset="0"/>
-              <a:cs typeface="Arial" pitchFamily="34" charset="0"/>
-            </a:endParaRPr>
+              <a:rPr lang="en-US" sz="1200" dirty="0">
+                <a:solidFill>
+                  <a:schemeClr val="accent1"/>
+                </a:solidFill>
+                <a:latin typeface="Arial" pitchFamily="34" charset="0"/>
+                <a:ea typeface="Tahoma" pitchFamily="34" charset="0"/>
+                <a:cs typeface="Arial" pitchFamily="34" charset="0"/>
+              </a:rPr>
+              <a:t>     Functionality)</a:t>
+            </a:r>
+            <a:br>
+              <a:rPr lang="en-US" sz="1200" dirty="0">
+                <a:solidFill>
+                  <a:schemeClr val="accent1"/>
+                </a:solidFill>
+                <a:latin typeface="Arial" pitchFamily="34" charset="0"/>
+                <a:ea typeface="Tahoma" pitchFamily="34" charset="0"/>
+                <a:cs typeface="Arial" pitchFamily="34" charset="0"/>
+              </a:rPr>
+            </a:br>
+            <a:r>
+              <a:rPr lang="en-US" sz="1200" dirty="0">
+                <a:solidFill>
+                  <a:schemeClr val="accent1"/>
+                </a:solidFill>
+                <a:latin typeface="Arial" pitchFamily="34" charset="0"/>
+                <a:ea typeface="Tahoma" pitchFamily="34" charset="0"/>
+                <a:cs typeface="Arial" pitchFamily="34" charset="0"/>
+              </a:rPr>
+              <a:t> </a:t>
+            </a:r>
+          </a:p>
+          <a:p>
+            <a:pPr rtl="1">
+              <a:defRPr/>
+            </a:pPr>
+            <a:r>
+              <a:rPr lang="en-US" sz="1200" dirty="0">
+                <a:solidFill>
+                  <a:schemeClr val="accent1"/>
+                </a:solidFill>
+                <a:latin typeface="Arial" pitchFamily="34" charset="0"/>
+                <a:ea typeface="Tahoma" pitchFamily="34" charset="0"/>
+                <a:cs typeface="Arial" pitchFamily="34" charset="0"/>
+              </a:rPr>
+              <a:t> Algorithms – </a:t>
+            </a:r>
+            <a:r>
+              <a:rPr lang="en-US" sz="1200" dirty="0">
+                <a:effectLst>
+                  <a:outerShdw blurRad="38100" dist="38100" dir="2700000" algn="tl">
+                    <a:srgbClr val="000000">
+                      <a:alpha val="43137"/>
+                    </a:srgbClr>
+                  </a:outerShdw>
+                </a:effectLst>
+                <a:latin typeface="Arial" pitchFamily="34" charset="0"/>
+                <a:ea typeface="Tahoma" pitchFamily="34" charset="0"/>
+                <a:cs typeface="Arial" pitchFamily="34" charset="0"/>
+              </a:rPr>
+              <a:t>read, understand and summarize</a:t>
+            </a:r>
+            <a:r>
+              <a:rPr lang="en-US" sz="1200" dirty="0">
+                <a:latin typeface="Arial" pitchFamily="34" charset="0"/>
+                <a:ea typeface="Tahoma" pitchFamily="34" charset="0"/>
+                <a:cs typeface="Arial" pitchFamily="34" charset="0"/>
+              </a:rPr>
+              <a:t> professional articles.</a:t>
+            </a:r>
+            <a:br>
+              <a:rPr lang="en-US" sz="1200" dirty="0">
+                <a:latin typeface="Arial" pitchFamily="34" charset="0"/>
+                <a:ea typeface="Tahoma" pitchFamily="34" charset="0"/>
+                <a:cs typeface="Arial" pitchFamily="34" charset="0"/>
+              </a:rPr>
+            </a:br>
+            <a:r>
+              <a:rPr lang="en-US" sz="1200" dirty="0">
+                <a:latin typeface="Arial" pitchFamily="34" charset="0"/>
+                <a:ea typeface="Tahoma" pitchFamily="34" charset="0"/>
+                <a:cs typeface="Arial" pitchFamily="34" charset="0"/>
+              </a:rPr>
+              <a:t>Watching lectures dealing with the problem and analyzing them.</a:t>
+            </a:r>
+            <a:r>
+              <a:rPr lang="en-US" sz="1200" dirty="0">
+                <a:solidFill>
+                  <a:schemeClr val="accent1"/>
+                </a:solidFill>
+                <a:latin typeface="Arial" pitchFamily="34" charset="0"/>
+                <a:ea typeface="Tahoma" pitchFamily="34" charset="0"/>
+                <a:cs typeface="Arial" pitchFamily="34" charset="0"/>
+              </a:rPr>
+              <a:t> </a:t>
+            </a:r>
+          </a:p>
+          <a:p>
+            <a:pPr rtl="1">
+              <a:defRPr/>
+            </a:pPr>
+            <a:r>
+              <a:rPr lang="en-US" sz="1200" i="1" dirty="0">
+                <a:solidFill>
+                  <a:schemeClr val="accent1"/>
+                </a:solidFill>
+                <a:latin typeface="Arial" pitchFamily="34" charset="0"/>
+                <a:ea typeface="Tahoma" pitchFamily="34" charset="0"/>
+                <a:cs typeface="Arial" pitchFamily="34" charset="0"/>
+              </a:rPr>
+              <a:t>Modulation</a:t>
+            </a:r>
+            <a:r>
+              <a:rPr lang="en-US" sz="1200" dirty="0">
+                <a:solidFill>
+                  <a:schemeClr val="accent1"/>
+                </a:solidFill>
+                <a:latin typeface="Arial" pitchFamily="34" charset="0"/>
+                <a:ea typeface="Tahoma" pitchFamily="34" charset="0"/>
+                <a:cs typeface="Arial" pitchFamily="34" charset="0"/>
+              </a:rPr>
+              <a:t> – </a:t>
+            </a:r>
+            <a:r>
+              <a:rPr lang="en-US" sz="1200" dirty="0">
+                <a:solidFill>
+                  <a:schemeClr val="tx1"/>
+                </a:solidFill>
+                <a:latin typeface="Arial" pitchFamily="34" charset="0"/>
+                <a:ea typeface="Tahoma" pitchFamily="34" charset="0"/>
+                <a:cs typeface="Arial" pitchFamily="34" charset="0"/>
+              </a:rPr>
+              <a:t>The critical component will be the modulation of the translation of qualitative information into Hebrew in a way that preserves the understanding and clarity of the research.</a:t>
+            </a:r>
+            <a:r>
+              <a:rPr lang="he-IL" sz="1200" dirty="0">
+                <a:solidFill>
+                  <a:schemeClr val="tx1"/>
+                </a:solidFill>
+                <a:latin typeface="Arial" pitchFamily="34" charset="0"/>
+                <a:ea typeface="Tahoma" pitchFamily="34" charset="0"/>
+                <a:cs typeface="Arial" pitchFamily="34" charset="0"/>
+              </a:rPr>
+              <a:t> </a:t>
+            </a:r>
+          </a:p>
+          <a:p>
+            <a:pPr rtl="1">
+              <a:defRPr/>
+            </a:pPr>
+            <a:r>
+              <a:rPr lang="en-US" sz="1200" i="1" dirty="0">
+                <a:solidFill>
+                  <a:schemeClr val="accent1"/>
+                </a:solidFill>
+                <a:latin typeface="Arial" pitchFamily="34" charset="0"/>
+                <a:ea typeface="Tahoma" pitchFamily="34" charset="0"/>
+                <a:cs typeface="Arial" pitchFamily="34" charset="0"/>
+              </a:rPr>
+              <a:t>Infrastructure – </a:t>
+            </a:r>
+            <a:r>
+              <a:rPr lang="en-US" sz="1200" i="1" dirty="0">
+                <a:solidFill>
+                  <a:schemeClr val="tx1"/>
+                </a:solidFill>
+                <a:latin typeface="Arial" pitchFamily="34" charset="0"/>
+                <a:ea typeface="Tahoma" pitchFamily="34" charset="0"/>
+                <a:cs typeface="Arial" pitchFamily="34" charset="0"/>
+              </a:rPr>
+              <a:t>Our infrastructure will include:</a:t>
+            </a:r>
+          </a:p>
+          <a:p>
+            <a:pPr rtl="1">
+              <a:defRPr/>
+            </a:pPr>
+            <a:r>
+              <a:rPr lang="en-US" sz="1200" i="1" dirty="0">
+                <a:solidFill>
+                  <a:schemeClr val="tx1"/>
+                </a:solidFill>
+                <a:latin typeface="Arial" pitchFamily="34" charset="0"/>
+                <a:ea typeface="Tahoma" pitchFamily="34" charset="0"/>
+                <a:cs typeface="Arial" pitchFamily="34" charset="0"/>
+              </a:rPr>
+              <a:t>Introduction, description of the problem, problems derived from it, possible solutions, conclusions and summary</a:t>
+            </a:r>
+          </a:p>
+          <a:p>
+            <a:pPr rtl="1">
+              <a:defRPr/>
+            </a:pPr>
+            <a:r>
+              <a:rPr lang="en-US" sz="1200" i="1" dirty="0">
+                <a:solidFill>
+                  <a:schemeClr val="tx1"/>
+                </a:solidFill>
+                <a:latin typeface="Arial" pitchFamily="34" charset="0"/>
+                <a:ea typeface="Tahoma" pitchFamily="34" charset="0"/>
+                <a:cs typeface="Arial" pitchFamily="34" charset="0"/>
+              </a:rPr>
+              <a:t>Of course, in "Running Time" we can add new topics that will interest us.</a:t>
+            </a:r>
+            <a:r>
+              <a:rPr lang="he-IL" sz="1200" i="1" dirty="0">
+                <a:solidFill>
+                  <a:schemeClr val="tx1"/>
+                </a:solidFill>
+                <a:latin typeface="Arial" pitchFamily="34" charset="0"/>
+                <a:ea typeface="Tahoma" pitchFamily="34" charset="0"/>
+                <a:cs typeface="Arial" pitchFamily="34" charset="0"/>
+              </a:rPr>
+              <a:t>   </a:t>
+            </a:r>
+          </a:p>
+          <a:p>
+            <a:pPr rtl="1">
+              <a:defRPr/>
+            </a:pPr>
+            <a:r>
+              <a:rPr lang="en-US" sz="1200" i="1" dirty="0">
+                <a:solidFill>
+                  <a:schemeClr val="accent1"/>
+                </a:solidFill>
+                <a:latin typeface="Arial" pitchFamily="34" charset="0"/>
+                <a:ea typeface="Tahoma" pitchFamily="34" charset="0"/>
+                <a:cs typeface="Arial" pitchFamily="34" charset="0"/>
+              </a:rPr>
+              <a:t>UI – </a:t>
+            </a:r>
+            <a:r>
+              <a:rPr lang="en-US" sz="1200" i="1" dirty="0">
+                <a:solidFill>
+                  <a:schemeClr val="tx1"/>
+                </a:solidFill>
+                <a:latin typeface="Arial" pitchFamily="34" charset="0"/>
+                <a:ea typeface="Tahoma" pitchFamily="34" charset="0"/>
+                <a:cs typeface="Arial" pitchFamily="34" charset="0"/>
+              </a:rPr>
+              <a:t>A comprehensive academic article on this important issue.</a:t>
+            </a:r>
+          </a:p>
+          <a:p>
+            <a:pPr rtl="1">
+              <a:defRPr/>
+            </a:pPr>
+            <a:r>
+              <a:rPr lang="en-US" sz="1200" i="1" dirty="0">
+                <a:solidFill>
+                  <a:schemeClr val="accent1"/>
+                </a:solidFill>
+                <a:latin typeface="Arial" pitchFamily="34" charset="0"/>
+                <a:ea typeface="Tahoma" pitchFamily="34" charset="0"/>
+                <a:cs typeface="Arial" pitchFamily="34" charset="0"/>
+              </a:rPr>
+              <a:t>Functionality – </a:t>
+            </a:r>
+            <a:r>
+              <a:rPr lang="en-US" sz="1200" i="1" dirty="0">
+                <a:solidFill>
+                  <a:schemeClr val="tx1"/>
+                </a:solidFill>
+                <a:latin typeface="Arial" pitchFamily="34" charset="0"/>
+                <a:ea typeface="Tahoma" pitchFamily="34" charset="0"/>
+                <a:cs typeface="Arial" pitchFamily="34" charset="0"/>
+              </a:rPr>
+              <a:t>It’s almost easy to see the practicality that can come out in accessible and relatively rare information in this issue that has been published in the form of an article.</a:t>
+            </a:r>
+          </a:p>
+          <a:p>
+            <a:pPr rtl="1">
+              <a:defRPr/>
+            </a:pPr>
+            <a:r>
+              <a:rPr lang="en-US" sz="1200" i="1" dirty="0">
+                <a:solidFill>
+                  <a:schemeClr val="accent6"/>
+                </a:solidFill>
+                <a:latin typeface="Arial" pitchFamily="34" charset="0"/>
+                <a:ea typeface="Tahoma" pitchFamily="34" charset="0"/>
+                <a:cs typeface="Arial" pitchFamily="34" charset="0"/>
+              </a:rPr>
+              <a:t>Students</a:t>
+            </a:r>
+            <a:r>
+              <a:rPr lang="en-US" sz="1200" i="1" dirty="0">
+                <a:solidFill>
+                  <a:schemeClr val="tx1"/>
+                </a:solidFill>
+                <a:latin typeface="Arial" pitchFamily="34" charset="0"/>
+                <a:ea typeface="Tahoma" pitchFamily="34" charset="0"/>
+                <a:cs typeface="Arial" pitchFamily="34" charset="0"/>
+              </a:rPr>
+              <a:t> will be able to use it in their studies, </a:t>
+            </a:r>
+            <a:r>
+              <a:rPr lang="en-US" sz="1200" i="1" dirty="0">
+                <a:solidFill>
+                  <a:schemeClr val="accent6"/>
+                </a:solidFill>
+                <a:latin typeface="Arial" pitchFamily="34" charset="0"/>
+                <a:ea typeface="Tahoma" pitchFamily="34" charset="0"/>
+                <a:cs typeface="Arial" pitchFamily="34" charset="0"/>
+              </a:rPr>
+              <a:t>curious people </a:t>
+            </a:r>
+            <a:r>
+              <a:rPr lang="en-US" sz="1200" i="1" dirty="0">
+                <a:solidFill>
+                  <a:schemeClr val="tx1"/>
+                </a:solidFill>
+                <a:latin typeface="Arial" pitchFamily="34" charset="0"/>
+                <a:ea typeface="Tahoma" pitchFamily="34" charset="0"/>
+                <a:cs typeface="Arial" pitchFamily="34" charset="0"/>
+              </a:rPr>
+              <a:t>will be able to learn new things from it and maybe we will find ideas (achievable or imaginary) that can advance the discourse on this topic.</a:t>
+            </a:r>
+            <a:r>
+              <a:rPr lang="en-US" sz="1200" dirty="0">
+                <a:solidFill>
+                  <a:schemeClr val="tx1"/>
+                </a:solidFill>
+                <a:latin typeface="Arial" pitchFamily="34" charset="0"/>
+                <a:ea typeface="Tahoma" pitchFamily="34" charset="0"/>
+                <a:cs typeface="Arial" pitchFamily="34" charset="0"/>
+              </a:rPr>
+              <a:t> </a:t>
+            </a:r>
+            <a:r>
+              <a:rPr lang="he-IL" sz="1200" dirty="0">
+                <a:solidFill>
+                  <a:schemeClr val="tx1"/>
+                </a:solidFill>
+                <a:latin typeface="Arial" pitchFamily="34" charset="0"/>
+                <a:ea typeface="Tahoma" pitchFamily="34" charset="0"/>
+                <a:cs typeface="Arial" pitchFamily="34" charset="0"/>
+              </a:rPr>
+              <a:t> </a:t>
+            </a:r>
           </a:p>
         </p:txBody>
       </p:sp>
@@ -3901,15 +4504,7 @@
             </a:br>
             <a:r>
               <a:rPr lang="en-US" sz="1200" dirty="0"/>
-              <a:t>It will include an important data about Computability theory, and will help to understand the main Busy </a:t>
-            </a:r>
-            <a:r>
-              <a:rPr lang="en-US" sz="1200" dirty="0" err="1"/>
-              <a:t>Beavere</a:t>
-            </a:r>
-            <a:r>
-              <a:rPr lang="en-US" sz="1200" dirty="0"/>
-              <a:t> problem and will try to offer an optional solutions</a:t>
+              <a:t>It will include an important data about Computability theory, and will help to understand the main Busy Beaver problem and will try to offer an optional solutions.</a:t>
             </a:r>
             <a:endParaRPr lang="he-IL" sz="1200" dirty="0">
               <a:solidFill>
@@ -4008,10 +4603,10 @@
       </p:sp>
       <p:pic>
         <p:nvPicPr>
-          <p:cNvPr id="11" name="Picture 10">
+          <p:cNvPr id="4" name="תמונה 3">
             <a:extLst>
               <a:ext uri="{FF2B5EF4-FFF2-40B4-BE49-F238E27FC236}">
-                <a16:creationId xmlns:a16="http://schemas.microsoft.com/office/drawing/2014/main" id="{D64C4E1C-6FAC-4FBD-8F18-F52604BE0CA8}"/>
+                <a16:creationId xmlns:a16="http://schemas.microsoft.com/office/drawing/2014/main" id="{AAEA8194-69B9-4C7D-AA7B-614E4BAF8985}"/>
               </a:ext>
             </a:extLst>
           </p:cNvPr>
@@ -4028,8 +4623,8 @@
         </p:blipFill>
         <p:spPr>
           <a:xfrm>
-            <a:off x="5703396" y="9279979"/>
-            <a:ext cx="456453" cy="467864"/>
+            <a:off x="0" y="414727"/>
+            <a:ext cx="1398634" cy="694746"/>
           </a:xfrm>
           <a:prstGeom prst="rect">
             <a:avLst/>
@@ -4038,32 +4633,49 @@
       </p:pic>
       <p:pic>
         <p:nvPicPr>
-          <p:cNvPr id="4" name="תמונה 3">
+          <p:cNvPr id="1034" name="Picture 10">
             <a:extLst>
               <a:ext uri="{FF2B5EF4-FFF2-40B4-BE49-F238E27FC236}">
-                <a16:creationId xmlns:a16="http://schemas.microsoft.com/office/drawing/2014/main" id="{AAEA8194-69B9-4C7D-AA7B-614E4BAF8985}"/>
+                <a16:creationId xmlns:a16="http://schemas.microsoft.com/office/drawing/2014/main" id="{E7BC0FC8-2A23-45BC-B1A1-1F298AFFBBA9}"/>
               </a:ext>
             </a:extLst>
           </p:cNvPr>
           <p:cNvPicPr>
-            <a:picLocks noChangeAspect="1"/>
+            <a:picLocks noChangeAspect="1" noChangeArrowheads="1"/>
           </p:cNvPicPr>
           <p:nvPr/>
         </p:nvPicPr>
         <p:blipFill>
-          <a:blip r:embed="rId3"/>
+          <a:blip r:embed="rId3">
+            <a:extLst>
+              <a:ext uri="{28A0092B-C50C-407E-A947-70E740481C1C}">
+                <a14:useLocalDpi xmlns:a14="http://schemas.microsoft.com/office/drawing/2010/main" val="0"/>
+              </a:ext>
+            </a:extLst>
+          </a:blip>
+          <a:srcRect/>
           <a:stretch>
             <a:fillRect/>
           </a:stretch>
         </p:blipFill>
-        <p:spPr>
+        <p:spPr bwMode="auto">
           <a:xfrm>
-            <a:off x="0" y="414727"/>
-            <a:ext cx="1398634" cy="694746"/>
+            <a:off x="5738361" y="9308620"/>
+            <a:ext cx="497847" cy="497847"/>
           </a:xfrm>
           <a:prstGeom prst="rect">
             <a:avLst/>
           </a:prstGeom>
+          <a:noFill/>
+          <a:extLst>
+            <a:ext uri="{909E8E84-426E-40DD-AFC4-6F175D3DCCD1}">
+              <a14:hiddenFill xmlns:a14="http://schemas.microsoft.com/office/drawing/2010/main">
+                <a:solidFill>
+                  <a:srgbClr val="FFFFFF"/>
+                </a:solidFill>
+              </a14:hiddenFill>
+            </a:ext>
+          </a:extLst>
         </p:spPr>
       </p:pic>
     </p:spTree>

--- a/Poster for Busy Beaver Project.pptx
+++ b/Poster for Busy Beaver Project.pptx
@@ -243,7 +243,7 @@
           <a:p>
             <a:fld id="{73EE89F4-C31D-45E3-BFAA-D8E8790DFB86}" type="datetimeFigureOut">
               <a:rPr lang="en-US" smtClean="0"/>
-              <a:t>5/4/2021</a:t>
+              <a:t>5/12/2021</a:t>
             </a:fld>
             <a:endParaRPr lang="en-US"/>
           </a:p>
@@ -413,7 +413,7 @@
           <a:p>
             <a:fld id="{73EE89F4-C31D-45E3-BFAA-D8E8790DFB86}" type="datetimeFigureOut">
               <a:rPr lang="en-US" smtClean="0"/>
-              <a:t>5/4/2021</a:t>
+              <a:t>5/12/2021</a:t>
             </a:fld>
             <a:endParaRPr lang="en-US"/>
           </a:p>
@@ -593,7 +593,7 @@
           <a:p>
             <a:fld id="{73EE89F4-C31D-45E3-BFAA-D8E8790DFB86}" type="datetimeFigureOut">
               <a:rPr lang="en-US" smtClean="0"/>
-              <a:t>5/4/2021</a:t>
+              <a:t>5/12/2021</a:t>
             </a:fld>
             <a:endParaRPr lang="en-US"/>
           </a:p>
@@ -763,7 +763,7 @@
           <a:p>
             <a:fld id="{73EE89F4-C31D-45E3-BFAA-D8E8790DFB86}" type="datetimeFigureOut">
               <a:rPr lang="en-US" smtClean="0"/>
-              <a:t>5/4/2021</a:t>
+              <a:t>5/12/2021</a:t>
             </a:fld>
             <a:endParaRPr lang="en-US"/>
           </a:p>
@@ -1007,7 +1007,7 @@
           <a:p>
             <a:fld id="{73EE89F4-C31D-45E3-BFAA-D8E8790DFB86}" type="datetimeFigureOut">
               <a:rPr lang="en-US" smtClean="0"/>
-              <a:t>5/4/2021</a:t>
+              <a:t>5/12/2021</a:t>
             </a:fld>
             <a:endParaRPr lang="en-US"/>
           </a:p>
@@ -1239,7 +1239,7 @@
           <a:p>
             <a:fld id="{73EE89F4-C31D-45E3-BFAA-D8E8790DFB86}" type="datetimeFigureOut">
               <a:rPr lang="en-US" smtClean="0"/>
-              <a:t>5/4/2021</a:t>
+              <a:t>5/12/2021</a:t>
             </a:fld>
             <a:endParaRPr lang="en-US"/>
           </a:p>
@@ -1606,7 +1606,7 @@
           <a:p>
             <a:fld id="{73EE89F4-C31D-45E3-BFAA-D8E8790DFB86}" type="datetimeFigureOut">
               <a:rPr lang="en-US" smtClean="0"/>
-              <a:t>5/4/2021</a:t>
+              <a:t>5/12/2021</a:t>
             </a:fld>
             <a:endParaRPr lang="en-US"/>
           </a:p>
@@ -1724,7 +1724,7 @@
           <a:p>
             <a:fld id="{73EE89F4-C31D-45E3-BFAA-D8E8790DFB86}" type="datetimeFigureOut">
               <a:rPr lang="en-US" smtClean="0"/>
-              <a:t>5/4/2021</a:t>
+              <a:t>5/12/2021</a:t>
             </a:fld>
             <a:endParaRPr lang="en-US"/>
           </a:p>
@@ -1819,7 +1819,7 @@
           <a:p>
             <a:fld id="{73EE89F4-C31D-45E3-BFAA-D8E8790DFB86}" type="datetimeFigureOut">
               <a:rPr lang="en-US" smtClean="0"/>
-              <a:t>5/4/2021</a:t>
+              <a:t>5/12/2021</a:t>
             </a:fld>
             <a:endParaRPr lang="en-US"/>
           </a:p>
@@ -2096,7 +2096,7 @@
           <a:p>
             <a:fld id="{73EE89F4-C31D-45E3-BFAA-D8E8790DFB86}" type="datetimeFigureOut">
               <a:rPr lang="en-US" smtClean="0"/>
-              <a:t>5/4/2021</a:t>
+              <a:t>5/12/2021</a:t>
             </a:fld>
             <a:endParaRPr lang="en-US"/>
           </a:p>
@@ -2353,7 +2353,7 @@
           <a:p>
             <a:fld id="{73EE89F4-C31D-45E3-BFAA-D8E8790DFB86}" type="datetimeFigureOut">
               <a:rPr lang="en-US" smtClean="0"/>
-              <a:t>5/4/2021</a:t>
+              <a:t>5/12/2021</a:t>
             </a:fld>
             <a:endParaRPr lang="en-US"/>
           </a:p>
@@ -2566,7 +2566,7 @@
           <a:p>
             <a:fld id="{73EE89F4-C31D-45E3-BFAA-D8E8790DFB86}" type="datetimeFigureOut">
               <a:rPr lang="en-US" smtClean="0"/>
-              <a:t>5/4/2021</a:t>
+              <a:t>5/12/2021</a:t>
             </a:fld>
             <a:endParaRPr lang="en-US"/>
           </a:p>
@@ -3338,43 +3338,36 @@
               <a:t>3</a:t>
             </a:r>
             <a:r>
-              <a:rPr lang="en-US" sz="1200" dirty="0">
-                <a:latin typeface="Arial" pitchFamily="34" charset="0"/>
-                <a:ea typeface="Tahoma" pitchFamily="34" charset="0"/>
-                <a:cs typeface="Arial" pitchFamily="34" charset="0"/>
-              </a:rPr>
-              <a:t>.</a:t>
-            </a:r>
-            <a:r>
-              <a:rPr lang="en-US" sz="1200" b="1" dirty="0">
-                <a:latin typeface="Arial" pitchFamily="34" charset="0"/>
-                <a:ea typeface="Tahoma" pitchFamily="34" charset="0"/>
-                <a:cs typeface="Arial" pitchFamily="34" charset="0"/>
-              </a:rPr>
-              <a:t> </a:t>
-            </a:r>
-            <a:r>
-              <a:rPr lang="en-US" sz="1200" dirty="0">
-                <a:solidFill>
-                  <a:schemeClr val="accent1"/>
-                </a:solidFill>
-              </a:rPr>
-              <a:t>Methods/algorithms/Alternatives or</a:t>
+              <a:rPr lang="en-US" sz="1180" dirty="0">
+                <a:solidFill>
+                  <a:srgbClr val="0070C0"/>
+                </a:solidFill>
+                <a:latin typeface="Arial" pitchFamily="34" charset="0"/>
+                <a:ea typeface="Tahoma" pitchFamily="34" charset="0"/>
+                <a:cs typeface="Arial" pitchFamily="34" charset="0"/>
+              </a:rPr>
+              <a:t>. Methods/algorithms/Alternatives or</a:t>
             </a:r>
             <a:br>
-              <a:rPr lang="en-US" sz="1200" dirty="0">
-                <a:solidFill>
-                  <a:schemeClr val="accent1"/>
-                </a:solidFill>
+              <a:rPr lang="en-US" sz="1180" dirty="0">
+                <a:solidFill>
+                  <a:srgbClr val="0070C0"/>
+                </a:solidFill>
+                <a:latin typeface="Arial" pitchFamily="34" charset="0"/>
+                <a:ea typeface="Tahoma" pitchFamily="34" charset="0"/>
+                <a:cs typeface="Arial" pitchFamily="34" charset="0"/>
               </a:rPr>
             </a:br>
             <a:r>
-              <a:rPr lang="en-US" sz="1200" dirty="0">
-                <a:solidFill>
-                  <a:schemeClr val="accent1"/>
-                </a:solidFill>
-              </a:rPr>
-              <a:t>     Design Considerations:</a:t>
+              <a:rPr lang="en-US" sz="1180" dirty="0">
+                <a:solidFill>
+                  <a:srgbClr val="0070C0"/>
+                </a:solidFill>
+                <a:latin typeface="Arial" pitchFamily="34" charset="0"/>
+                <a:ea typeface="Tahoma" pitchFamily="34" charset="0"/>
+                <a:cs typeface="Arial" pitchFamily="34" charset="0"/>
+              </a:rPr>
+              <a:t>    Design Considerations:</a:t>
             </a:r>
           </a:p>
           <a:p>
@@ -3457,6 +3450,36 @@
                 <a:cs typeface="Arial" pitchFamily="34" charset="0"/>
               </a:rPr>
               <a:t> professional articles on the subject.</a:t>
+            </a:r>
+            <a:br>
+              <a:rPr lang="en-US" sz="1200" dirty="0">
+                <a:latin typeface="Arial" pitchFamily="34" charset="0"/>
+                <a:ea typeface="Tahoma" pitchFamily="34" charset="0"/>
+                <a:cs typeface="Arial" pitchFamily="34" charset="0"/>
+              </a:rPr>
+            </a:br>
+            <a:r>
+              <a:rPr lang="en-US" sz="1200" dirty="0">
+                <a:effectLst>
+                  <a:outerShdw blurRad="38100" dist="38100" dir="2700000" algn="tl">
+                    <a:srgbClr val="000000">
+                      <a:alpha val="43137"/>
+                    </a:srgbClr>
+                  </a:outerShdw>
+                </a:effectLst>
+                <a:latin typeface="Arial" pitchFamily="34" charset="0"/>
+                <a:ea typeface="Tahoma" pitchFamily="34" charset="0"/>
+                <a:cs typeface="Arial" pitchFamily="34" charset="0"/>
+              </a:rPr>
+              <a:t>Focusing&amp;Expanding</a:t>
+            </a:r>
+            <a:r>
+              <a:rPr lang="en-US" sz="1200" dirty="0">
+                <a:latin typeface="Arial" pitchFamily="34" charset="0"/>
+                <a:ea typeface="Tahoma" pitchFamily="34" charset="0"/>
+                <a:cs typeface="Arial" pitchFamily="34" charset="0"/>
+              </a:rPr>
+              <a:t> a sub-problem derived from the BB problem.</a:t>
             </a:r>
           </a:p>
           <a:p>
@@ -3750,7 +3773,18 @@
                 <a:ea typeface="Tahoma" pitchFamily="34" charset="0"/>
                 <a:cs typeface="Arial" pitchFamily="34" charset="0"/>
               </a:rPr>
-              <a:t>and Adam Yedidia</a:t>
+              <a:t>and Adam </a:t>
+            </a:r>
+            <a:r>
+              <a:rPr lang="en-US" sz="1200" dirty="0" err="1">
+                <a:solidFill>
+                  <a:prstClr val="black"/>
+                </a:solidFill>
+                <a:latin typeface="Arial" pitchFamily="34" charset="0"/>
+                <a:ea typeface="Tahoma" pitchFamily="34" charset="0"/>
+                <a:cs typeface="Arial" pitchFamily="34" charset="0"/>
+              </a:rPr>
+              <a:t>Yedidia</a:t>
             </a:r>
             <a:r>
               <a:rPr lang="he-IL" sz="1200" dirty="0">
@@ -3761,7 +3795,28 @@
                 <a:ea typeface="Tahoma" pitchFamily="34" charset="0"/>
                 <a:cs typeface="Arial" pitchFamily="34" charset="0"/>
               </a:rPr>
-              <a:t>.	</a:t>
+              <a:t>.</a:t>
+            </a:r>
+            <a:br>
+              <a:rPr lang="en-US" sz="1200" dirty="0">
+                <a:solidFill>
+                  <a:prstClr val="black"/>
+                </a:solidFill>
+                <a:latin typeface="Arial" pitchFamily="34" charset="0"/>
+                <a:ea typeface="Tahoma" pitchFamily="34" charset="0"/>
+                <a:cs typeface="Arial" pitchFamily="34" charset="0"/>
+              </a:rPr>
+            </a:br>
+            <a:r>
+              <a:rPr lang="he-IL" sz="1200" dirty="0">
+                <a:solidFill>
+                  <a:prstClr val="black"/>
+                </a:solidFill>
+                <a:latin typeface="Arial" pitchFamily="34" charset="0"/>
+                <a:ea typeface="Tahoma" pitchFamily="34" charset="0"/>
+                <a:cs typeface="Arial" pitchFamily="34" charset="0"/>
+              </a:rPr>
+              <a:t>	</a:t>
             </a:r>
             <a:br>
               <a:rPr lang="en-US" sz="1200" dirty="0">
@@ -3833,9 +3888,9 @@
               <a:t>5. </a:t>
             </a:r>
             <a:r>
-              <a:rPr lang="en-US" sz="1200" dirty="0">
-                <a:solidFill>
-                  <a:schemeClr val="accent1"/>
+              <a:rPr lang="en-US" sz="1180" dirty="0">
+                <a:solidFill>
+                  <a:srgbClr val="0070C0"/>
                 </a:solidFill>
                 <a:latin typeface="Arial" pitchFamily="34" charset="0"/>
                 <a:ea typeface="Tahoma" pitchFamily="34" charset="0"/>
@@ -3844,9 +3899,9 @@
               <a:t>Solution Description (Algorithms, Modulation, Patterns, Infrastructure, UI,   </a:t>
             </a:r>
             <a:br>
-              <a:rPr lang="en-US" sz="1200" dirty="0">
-                <a:solidFill>
-                  <a:schemeClr val="accent1"/>
+              <a:rPr lang="en-US" sz="1180" dirty="0">
+                <a:solidFill>
+                  <a:srgbClr val="0070C0"/>
                 </a:solidFill>
                 <a:latin typeface="Arial" pitchFamily="34" charset="0"/>
                 <a:ea typeface="Tahoma" pitchFamily="34" charset="0"/>
@@ -3854,9 +3909,9 @@
               </a:rPr>
             </a:br>
             <a:r>
-              <a:rPr lang="en-US" sz="1200" dirty="0">
-                <a:solidFill>
-                  <a:schemeClr val="accent1"/>
+              <a:rPr lang="en-US" sz="1180" dirty="0">
+                <a:solidFill>
+                  <a:srgbClr val="0070C0"/>
                 </a:solidFill>
                 <a:latin typeface="Arial" pitchFamily="34" charset="0"/>
                 <a:ea typeface="Tahoma" pitchFamily="34" charset="0"/>
@@ -3865,9 +3920,9 @@
               <a:t>     Functionality)</a:t>
             </a:r>
             <a:br>
-              <a:rPr lang="en-US" sz="1200" dirty="0">
-                <a:solidFill>
-                  <a:schemeClr val="accent1"/>
+              <a:rPr lang="en-US" sz="1180" dirty="0">
+                <a:solidFill>
+                  <a:srgbClr val="0070C0"/>
                 </a:solidFill>
                 <a:latin typeface="Arial" pitchFamily="34" charset="0"/>
                 <a:ea typeface="Tahoma" pitchFamily="34" charset="0"/>
@@ -3899,10 +3954,13 @@
                 <a:ea typeface="Tahoma" pitchFamily="34" charset="0"/>
                 <a:cs typeface="Arial" pitchFamily="34" charset="0"/>
               </a:rPr>
-              <a:t> Algorithms – </a:t>
-            </a:r>
-            <a:r>
-              <a:rPr lang="en-US" sz="1200" dirty="0">
+              <a:t> </a:t>
+            </a:r>
+            <a:r>
+              <a:rPr lang="en-US" sz="1200" dirty="0">
+                <a:solidFill>
+                  <a:schemeClr val="accent1"/>
+                </a:solidFill>
                 <a:effectLst>
                   <a:outerShdw blurRad="38100" dist="38100" dir="2700000" algn="tl">
                     <a:srgbClr val="000000">
@@ -3914,6 +3972,32 @@
                 <a:ea typeface="Tahoma" pitchFamily="34" charset="0"/>
                 <a:cs typeface="Arial" pitchFamily="34" charset="0"/>
               </a:rPr>
+              <a:t>Algorithms</a:t>
+            </a:r>
+            <a:r>
+              <a:rPr lang="en-US" sz="1200" dirty="0">
+                <a:solidFill>
+                  <a:schemeClr val="accent1"/>
+                </a:solidFill>
+                <a:latin typeface="Arial" pitchFamily="34" charset="0"/>
+                <a:ea typeface="Tahoma" pitchFamily="34" charset="0"/>
+                <a:cs typeface="Arial" pitchFamily="34" charset="0"/>
+              </a:rPr>
+              <a:t> – </a:t>
+            </a:r>
+            <a:r>
+              <a:rPr lang="en-US" sz="1200" dirty="0">
+                <a:effectLst>
+                  <a:outerShdw blurRad="38100" dist="38100" dir="2700000" algn="tl">
+                    <a:srgbClr val="000000">
+                      <a:alpha val="43137"/>
+                    </a:srgbClr>
+                  </a:outerShdw>
+                </a:effectLst>
+                <a:latin typeface="Arial" pitchFamily="34" charset="0"/>
+                <a:ea typeface="Tahoma" pitchFamily="34" charset="0"/>
+                <a:cs typeface="Arial" pitchFamily="34" charset="0"/>
+              </a:rPr>
               <a:t>read, understand and summarize</a:t>
             </a:r>
             <a:r>
@@ -3960,6 +4044,13 @@
                 <a:solidFill>
                   <a:schemeClr val="accent1"/>
                 </a:solidFill>
+                <a:effectLst>
+                  <a:outerShdw blurRad="38100" dist="38100" dir="2700000" algn="tl">
+                    <a:srgbClr val="000000">
+                      <a:alpha val="43137"/>
+                    </a:srgbClr>
+                  </a:outerShdw>
+                </a:effectLst>
                 <a:latin typeface="Arial" pitchFamily="34" charset="0"/>
                 <a:ea typeface="Tahoma" pitchFamily="34" charset="0"/>
                 <a:cs typeface="Arial" pitchFamily="34" charset="0"/>
@@ -4009,11 +4100,29 @@
                 <a:solidFill>
                   <a:schemeClr val="accent1"/>
                 </a:solidFill>
-                <a:latin typeface="Arial" pitchFamily="34" charset="0"/>
-                <a:ea typeface="Tahoma" pitchFamily="34" charset="0"/>
-                <a:cs typeface="Arial" pitchFamily="34" charset="0"/>
-              </a:rPr>
-              <a:t>Infrastructure – </a:t>
+                <a:effectLst>
+                  <a:outerShdw blurRad="38100" dist="38100" dir="2700000" algn="tl">
+                    <a:srgbClr val="000000">
+                      <a:alpha val="43137"/>
+                    </a:srgbClr>
+                  </a:outerShdw>
+                </a:effectLst>
+                <a:latin typeface="Arial" pitchFamily="34" charset="0"/>
+                <a:ea typeface="Tahoma" pitchFamily="34" charset="0"/>
+                <a:cs typeface="Arial" pitchFamily="34" charset="0"/>
+              </a:rPr>
+              <a:t>Infrastructure</a:t>
+            </a:r>
+            <a:r>
+              <a:rPr lang="en-US" sz="1200" i="1" dirty="0">
+                <a:solidFill>
+                  <a:schemeClr val="accent1"/>
+                </a:solidFill>
+                <a:latin typeface="Arial" pitchFamily="34" charset="0"/>
+                <a:ea typeface="Tahoma" pitchFamily="34" charset="0"/>
+                <a:cs typeface="Arial" pitchFamily="34" charset="0"/>
+              </a:rPr>
+              <a:t> – </a:t>
             </a:r>
             <a:r>
               <a:rPr lang="en-US" sz="1200" i="1" dirty="0">
@@ -4079,11 +4188,29 @@
                 <a:solidFill>
                   <a:schemeClr val="accent1"/>
                 </a:solidFill>
-                <a:latin typeface="Arial" pitchFamily="34" charset="0"/>
-                <a:ea typeface="Tahoma" pitchFamily="34" charset="0"/>
-                <a:cs typeface="Arial" pitchFamily="34" charset="0"/>
-              </a:rPr>
-              <a:t>UI – </a:t>
+                <a:effectLst>
+                  <a:outerShdw blurRad="38100" dist="38100" dir="2700000" algn="tl">
+                    <a:srgbClr val="000000">
+                      <a:alpha val="43137"/>
+                    </a:srgbClr>
+                  </a:outerShdw>
+                </a:effectLst>
+                <a:latin typeface="Arial" pitchFamily="34" charset="0"/>
+                <a:ea typeface="Tahoma" pitchFamily="34" charset="0"/>
+                <a:cs typeface="Arial" pitchFamily="34" charset="0"/>
+              </a:rPr>
+              <a:t>UI</a:t>
+            </a:r>
+            <a:r>
+              <a:rPr lang="en-US" sz="1200" i="1" dirty="0">
+                <a:solidFill>
+                  <a:schemeClr val="accent1"/>
+                </a:solidFill>
+                <a:latin typeface="Arial" pitchFamily="34" charset="0"/>
+                <a:ea typeface="Tahoma" pitchFamily="34" charset="0"/>
+                <a:cs typeface="Arial" pitchFamily="34" charset="0"/>
+              </a:rPr>
+              <a:t> – </a:t>
             </a:r>
             <a:r>
               <a:rPr lang="en-US" sz="1200" i="1" dirty="0">
@@ -4106,11 +4233,29 @@
                 <a:solidFill>
                   <a:schemeClr val="accent1"/>
                 </a:solidFill>
-                <a:latin typeface="Arial" pitchFamily="34" charset="0"/>
-                <a:ea typeface="Tahoma" pitchFamily="34" charset="0"/>
-                <a:cs typeface="Arial" pitchFamily="34" charset="0"/>
-              </a:rPr>
-              <a:t>Functionality – </a:t>
+                <a:effectLst>
+                  <a:outerShdw blurRad="38100" dist="38100" dir="2700000" algn="tl">
+                    <a:srgbClr val="000000">
+                      <a:alpha val="43137"/>
+                    </a:srgbClr>
+                  </a:outerShdw>
+                </a:effectLst>
+                <a:latin typeface="Arial" pitchFamily="34" charset="0"/>
+                <a:ea typeface="Tahoma" pitchFamily="34" charset="0"/>
+                <a:cs typeface="Arial" pitchFamily="34" charset="0"/>
+              </a:rPr>
+              <a:t>Functionality</a:t>
+            </a:r>
+            <a:r>
+              <a:rPr lang="en-US" sz="1200" i="1" dirty="0">
+                <a:solidFill>
+                  <a:schemeClr val="accent1"/>
+                </a:solidFill>
+                <a:latin typeface="Arial" pitchFamily="34" charset="0"/>
+                <a:ea typeface="Tahoma" pitchFamily="34" charset="0"/>
+                <a:cs typeface="Arial" pitchFamily="34" charset="0"/>
+              </a:rPr>
+              <a:t> – </a:t>
             </a:r>
             <a:r>
               <a:rPr lang="en-US" sz="1200" i="1" dirty="0">
@@ -4194,47 +4339,6 @@
               </a:rPr>
               <a:t> </a:t>
             </a:r>
-          </a:p>
-        </p:txBody>
-      </p:sp>
-      <p:sp>
-        <p:nvSpPr>
-          <p:cNvPr id="13" name="TextBox 12"/>
-          <p:cNvSpPr txBox="1"/>
-          <p:nvPr/>
-        </p:nvSpPr>
-        <p:spPr>
-          <a:xfrm>
-            <a:off x="5556292" y="9124806"/>
-            <a:ext cx="750659" cy="209609"/>
-          </a:xfrm>
-          <a:prstGeom prst="rect">
-            <a:avLst/>
-          </a:prstGeom>
-          <a:solidFill>
-            <a:srgbClr val="FFFFFF">
-              <a:alpha val="50196"/>
-            </a:srgbClr>
-          </a:solidFill>
-        </p:spPr>
-        <p:txBody>
-          <a:bodyPr wrap="square" rtlCol="1">
-            <a:spAutoFit/>
-          </a:bodyPr>
-          <a:lstStyle/>
-          <a:p>
-            <a:pPr algn="ctr"/>
-            <a:r>
-              <a:rPr lang="en-US" sz="762" dirty="0">
-                <a:latin typeface="Arial" pitchFamily="34" charset="0"/>
-                <a:cs typeface="Arial" pitchFamily="34" charset="0"/>
-              </a:rPr>
-              <a:t>Visit Us</a:t>
-            </a:r>
-            <a:endParaRPr lang="he-IL" sz="762" dirty="0">
-              <a:latin typeface="Arial" pitchFamily="34" charset="0"/>
-              <a:cs typeface="Arial" pitchFamily="34" charset="0"/>
-            </a:endParaRPr>
           </a:p>
         </p:txBody>
       </p:sp>
@@ -4456,8 +4560,8 @@
         </p:nvSpPr>
         <p:spPr>
           <a:xfrm>
-            <a:off x="166597" y="1502750"/>
-            <a:ext cx="2944177" cy="1240450"/>
+            <a:off x="0" y="1301902"/>
+            <a:ext cx="3098605" cy="1426057"/>
           </a:xfrm>
           <a:prstGeom prst="roundRect">
             <a:avLst/>
@@ -4488,30 +4592,133 @@
               <a:defRPr/>
             </a:pPr>
             <a:r>
-              <a:rPr lang="en-US" sz="1200" dirty="0"/>
-              <a:t> </a:t>
-            </a:r>
-            <a:r>
               <a:rPr lang="en-US" sz="1200" dirty="0">
                 <a:solidFill>
                   <a:srgbClr val="0070C0"/>
                 </a:solidFill>
-              </a:rPr>
-              <a:t>My project goal project:</a:t>
+                <a:latin typeface="Arial" pitchFamily="34" charset="0"/>
+                <a:ea typeface="Tahoma" pitchFamily="34" charset="0"/>
+                <a:cs typeface="Arial" pitchFamily="34" charset="0"/>
+              </a:rPr>
+              <a:t> My project goal project:</a:t>
             </a:r>
             <a:br>
               <a:rPr lang="en-US" sz="1200" dirty="0"/>
             </a:br>
             <a:r>
-              <a:rPr lang="en-US" sz="1200" dirty="0"/>
-              <a:t>It will include an important data about Computability theory, and will help to understand the main Busy Beaver problem and will try to offer an optional solutions.</a:t>
+              <a:rPr lang="en-US" sz="1200" dirty="0">
+                <a:highlight>
+                  <a:srgbClr val="00FF00"/>
+                </a:highlight>
+                <a:latin typeface="Arial" pitchFamily="34" charset="0"/>
+                <a:ea typeface="Tahoma" pitchFamily="34" charset="0"/>
+                <a:cs typeface="Arial" pitchFamily="34" charset="0"/>
+              </a:rPr>
+              <a:t>Survey</a:t>
+            </a:r>
+            <a:r>
+              <a:rPr lang="en-US" sz="1200" dirty="0">
+                <a:latin typeface="Arial" pitchFamily="34" charset="0"/>
+                <a:ea typeface="Tahoma" pitchFamily="34" charset="0"/>
+                <a:cs typeface="Arial" pitchFamily="34" charset="0"/>
+              </a:rPr>
+              <a:t> of one of the most critical problems of computability theory.</a:t>
+            </a:r>
+            <a:r>
+              <a:rPr lang="he-IL" sz="1200" dirty="0">
+                <a:latin typeface="Arial" pitchFamily="34" charset="0"/>
+                <a:ea typeface="Tahoma" pitchFamily="34" charset="0"/>
+                <a:cs typeface="Arial" pitchFamily="34" charset="0"/>
+              </a:rPr>
+              <a:t> </a:t>
+            </a:r>
+            <a:br>
+              <a:rPr lang="en-US" sz="1200" dirty="0">
+                <a:latin typeface="Arial" pitchFamily="34" charset="0"/>
+                <a:ea typeface="Tahoma" pitchFamily="34" charset="0"/>
+                <a:cs typeface="Arial" pitchFamily="34" charset="0"/>
+              </a:rPr>
+            </a:br>
+            <a:r>
+              <a:rPr lang="en-US" sz="1200" dirty="0">
+                <a:latin typeface="Arial" pitchFamily="34" charset="0"/>
+                <a:ea typeface="Tahoma" pitchFamily="34" charset="0"/>
+                <a:cs typeface="Arial" pitchFamily="34" charset="0"/>
+              </a:rPr>
+              <a:t>First, I will try to </a:t>
+            </a:r>
+            <a:r>
+              <a:rPr lang="en-US" sz="1200" dirty="0">
+                <a:effectLst>
+                  <a:outerShdw blurRad="38100" dist="38100" dir="2700000" algn="tl">
+                    <a:srgbClr val="000000">
+                      <a:alpha val="43137"/>
+                    </a:srgbClr>
+                  </a:outerShdw>
+                </a:effectLst>
+                <a:latin typeface="Arial" pitchFamily="34" charset="0"/>
+                <a:ea typeface="Tahoma" pitchFamily="34" charset="0"/>
+                <a:cs typeface="Arial" pitchFamily="34" charset="0"/>
+              </a:rPr>
+              <a:t>get familiar </a:t>
+            </a:r>
+            <a:r>
+              <a:rPr lang="en-US" sz="1200" dirty="0">
+                <a:latin typeface="Arial" pitchFamily="34" charset="0"/>
+                <a:ea typeface="Tahoma" pitchFamily="34" charset="0"/>
+                <a:cs typeface="Arial" pitchFamily="34" charset="0"/>
+              </a:rPr>
+              <a:t>with the issue&amp;technical terms, and then</a:t>
+            </a:r>
+            <a:br>
+              <a:rPr lang="en-US" sz="1200" dirty="0">
+                <a:latin typeface="Arial" pitchFamily="34" charset="0"/>
+                <a:ea typeface="Tahoma" pitchFamily="34" charset="0"/>
+                <a:cs typeface="Arial" pitchFamily="34" charset="0"/>
+              </a:rPr>
+            </a:br>
+            <a:r>
+              <a:rPr lang="en-US" sz="1200" dirty="0">
+                <a:effectLst>
+                  <a:outerShdw blurRad="38100" dist="38100" dir="2700000" algn="tl">
+                    <a:srgbClr val="000000">
+                      <a:alpha val="43137"/>
+                    </a:srgbClr>
+                  </a:outerShdw>
+                </a:effectLst>
+                <a:latin typeface="Arial" pitchFamily="34" charset="0"/>
+                <a:ea typeface="Tahoma" pitchFamily="34" charset="0"/>
+                <a:cs typeface="Arial" pitchFamily="34" charset="0"/>
+              </a:rPr>
+              <a:t>write</a:t>
+            </a:r>
+            <a:r>
+              <a:rPr lang="en-US" sz="1200" dirty="0">
+                <a:latin typeface="Arial" pitchFamily="34" charset="0"/>
+                <a:ea typeface="Tahoma" pitchFamily="34" charset="0"/>
+                <a:cs typeface="Arial" pitchFamily="34" charset="0"/>
+              </a:rPr>
+              <a:t> an Hebrew survey,</a:t>
+            </a:r>
+            <a:br>
+              <a:rPr lang="en-US" sz="1200" dirty="0">
+                <a:latin typeface="Arial" pitchFamily="34" charset="0"/>
+                <a:ea typeface="Tahoma" pitchFamily="34" charset="0"/>
+                <a:cs typeface="Arial" pitchFamily="34" charset="0"/>
+              </a:rPr>
+            </a:br>
+            <a:r>
+              <a:rPr lang="en-US" sz="1200" dirty="0">
+                <a:latin typeface="Arial" pitchFamily="34" charset="0"/>
+                <a:ea typeface="Tahoma" pitchFamily="34" charset="0"/>
+                <a:cs typeface="Arial" pitchFamily="34" charset="0"/>
+              </a:rPr>
+              <a:t>that hopefully will help other people</a:t>
             </a:r>
             <a:endParaRPr lang="he-IL" sz="1200" dirty="0">
-              <a:solidFill>
-                <a:prstClr val="black"/>
-              </a:solidFill>
               <a:latin typeface="Arial" pitchFamily="34" charset="0"/>
               <a:ea typeface="Tahoma" pitchFamily="34" charset="0"/>
+              <a:cs typeface="Arial" pitchFamily="34" charset="0"/>
             </a:endParaRPr>
           </a:p>
         </p:txBody>
